--- a/3.1_Boosting_Algo_ML_Insurance_Chrg_Pred_Project/2_AdaBoost Algorithm.pptx
+++ b/3.1_Boosting_Algo_ML_Insurance_Chrg_Pred_Project/2_AdaBoost Algorithm.pptx
@@ -9,10 +9,11 @@
     <p:sldId id="257" r:id="rId3"/>
     <p:sldId id="258" r:id="rId4"/>
     <p:sldId id="259" r:id="rId5"/>
-    <p:sldId id="262" r:id="rId6"/>
-    <p:sldId id="263" r:id="rId7"/>
-    <p:sldId id="264" r:id="rId8"/>
-    <p:sldId id="265" r:id="rId9"/>
+    <p:sldId id="266" r:id="rId6"/>
+    <p:sldId id="262" r:id="rId7"/>
+    <p:sldId id="263" r:id="rId8"/>
+    <p:sldId id="264" r:id="rId9"/>
+    <p:sldId id="265" r:id="rId10"/>
   </p:sldIdLst>
   <p:sldSz cx="12192000" cy="6858000"/>
   <p:notesSz cx="6858000" cy="9144000"/>
@@ -111,7 +112,313 @@
       </a:defRPr>
     </a:lvl9pPr>
   </p:defaultTextStyle>
+  <p:extLst>
+    <p:ext uri="{EFAFB233-063F-42B5-8137-9DF3F51BA10A}">
+      <p15:sldGuideLst xmlns:p15="http://schemas.microsoft.com/office/powerpoint/2012/main"/>
+    </p:ext>
+  </p:extLst>
 </p:presentation>
+</file>
+
+<file path=ppt/revisionInfo.xml><?xml version="1.0" encoding="utf-8"?>
+<p1510:revInfo xmlns:a="http://schemas.openxmlformats.org/drawingml/2006/main" xmlns:r="http://schemas.openxmlformats.org/officeDocument/2006/relationships" xmlns:p1510="http://schemas.microsoft.com/office/powerpoint/2015/10/main">
+  <p1510:revLst>
+    <p1510:client id="{012DFC1A-164C-4CE6-B3C3-EA0B603A2194}" v="3" dt="2024-06-22T12:11:20.624"/>
+  </p1510:revLst>
+</p1510:revInfo>
+</file>
+
+<file path=ppt/changesInfos/changesInfo1.xml><?xml version="1.0" encoding="utf-8"?>
+<pc:chgInfo xmlns:a="http://schemas.openxmlformats.org/drawingml/2006/main" xmlns:r="http://schemas.openxmlformats.org/officeDocument/2006/relationships" xmlns:ac="http://schemas.microsoft.com/office/drawing/2013/main/command" xmlns:pc="http://schemas.microsoft.com/office/powerpoint/2013/main/command">
+  <pc:docChgLst>
+    <pc:chgData name="Bakthavatchalam, Sharath Kumar" userId="5a80369b-62d2-4430-ac50-9bc726ab27fe" providerId="ADAL" clId="{012DFC1A-164C-4CE6-B3C3-EA0B603A2194}"/>
+    <pc:docChg chg="undo custSel addSld modSld">
+      <pc:chgData name="Bakthavatchalam, Sharath Kumar" userId="5a80369b-62d2-4430-ac50-9bc726ab27fe" providerId="ADAL" clId="{012DFC1A-164C-4CE6-B3C3-EA0B603A2194}" dt="2024-06-22T12:11:50.319" v="68" actId="26606"/>
+      <pc:docMkLst>
+        <pc:docMk/>
+      </pc:docMkLst>
+      <pc:sldChg chg="addSp delSp modSp new mod setBg addAnim delAnim setClrOvrMap">
+        <pc:chgData name="Bakthavatchalam, Sharath Kumar" userId="5a80369b-62d2-4430-ac50-9bc726ab27fe" providerId="ADAL" clId="{012DFC1A-164C-4CE6-B3C3-EA0B603A2194}" dt="2024-06-22T12:11:50.319" v="68" actId="26606"/>
+        <pc:sldMkLst>
+          <pc:docMk/>
+          <pc:sldMk cId="762183460" sldId="266"/>
+        </pc:sldMkLst>
+        <pc:spChg chg="mod ord">
+          <ac:chgData name="Bakthavatchalam, Sharath Kumar" userId="5a80369b-62d2-4430-ac50-9bc726ab27fe" providerId="ADAL" clId="{012DFC1A-164C-4CE6-B3C3-EA0B603A2194}" dt="2024-06-22T12:11:50.319" v="68" actId="26606"/>
+          <ac:spMkLst>
+            <pc:docMk/>
+            <pc:sldMk cId="762183460" sldId="266"/>
+            <ac:spMk id="2" creationId="{B0938259-FC53-6568-4671-6EFB3C210FC6}"/>
+          </ac:spMkLst>
+        </pc:spChg>
+        <pc:spChg chg="del">
+          <ac:chgData name="Bakthavatchalam, Sharath Kumar" userId="5a80369b-62d2-4430-ac50-9bc726ab27fe" providerId="ADAL" clId="{012DFC1A-164C-4CE6-B3C3-EA0B603A2194}" dt="2024-06-22T12:09:05.892" v="30" actId="931"/>
+          <ac:spMkLst>
+            <pc:docMk/>
+            <pc:sldMk cId="762183460" sldId="266"/>
+            <ac:spMk id="3" creationId="{48060272-B922-0314-0A8A-A668FB77826D}"/>
+          </ac:spMkLst>
+        </pc:spChg>
+        <pc:spChg chg="add del">
+          <ac:chgData name="Bakthavatchalam, Sharath Kumar" userId="5a80369b-62d2-4430-ac50-9bc726ab27fe" providerId="ADAL" clId="{012DFC1A-164C-4CE6-B3C3-EA0B603A2194}" dt="2024-06-22T12:09:33.048" v="34" actId="26606"/>
+          <ac:spMkLst>
+            <pc:docMk/>
+            <pc:sldMk cId="762183460" sldId="266"/>
+            <ac:spMk id="9" creationId="{17CEFD25-EBBB-A9BE-FDFF-870224B5BDD9}"/>
+          </ac:spMkLst>
+        </pc:spChg>
+        <pc:spChg chg="add del">
+          <ac:chgData name="Bakthavatchalam, Sharath Kumar" userId="5a80369b-62d2-4430-ac50-9bc726ab27fe" providerId="ADAL" clId="{012DFC1A-164C-4CE6-B3C3-EA0B603A2194}" dt="2024-06-22T12:09:19.878" v="32" actId="26606"/>
+          <ac:spMkLst>
+            <pc:docMk/>
+            <pc:sldMk cId="762183460" sldId="266"/>
+            <ac:spMk id="10" creationId="{D4771268-CB57-404A-9271-370EB28F6090}"/>
+          </ac:spMkLst>
+        </pc:spChg>
+        <pc:spChg chg="add del">
+          <ac:chgData name="Bakthavatchalam, Sharath Kumar" userId="5a80369b-62d2-4430-ac50-9bc726ab27fe" providerId="ADAL" clId="{012DFC1A-164C-4CE6-B3C3-EA0B603A2194}" dt="2024-06-22T12:09:33.048" v="34" actId="26606"/>
+          <ac:spMkLst>
+            <pc:docMk/>
+            <pc:sldMk cId="762183460" sldId="266"/>
+            <ac:spMk id="12" creationId="{F13C74B1-5B17-4795-BED0-7140497B445A}"/>
+          </ac:spMkLst>
+        </pc:spChg>
+        <pc:spChg chg="add del">
+          <ac:chgData name="Bakthavatchalam, Sharath Kumar" userId="5a80369b-62d2-4430-ac50-9bc726ab27fe" providerId="ADAL" clId="{012DFC1A-164C-4CE6-B3C3-EA0B603A2194}" dt="2024-06-22T12:09:33.048" v="34" actId="26606"/>
+          <ac:spMkLst>
+            <pc:docMk/>
+            <pc:sldMk cId="762183460" sldId="266"/>
+            <ac:spMk id="14" creationId="{D4974D33-8DC5-464E-8C6D-BE58F0669C17}"/>
+          </ac:spMkLst>
+        </pc:spChg>
+        <pc:spChg chg="add del">
+          <ac:chgData name="Bakthavatchalam, Sharath Kumar" userId="5a80369b-62d2-4430-ac50-9bc726ab27fe" providerId="ADAL" clId="{012DFC1A-164C-4CE6-B3C3-EA0B603A2194}" dt="2024-06-22T12:09:37.787" v="36" actId="26606"/>
+          <ac:spMkLst>
+            <pc:docMk/>
+            <pc:sldMk cId="762183460" sldId="266"/>
+            <ac:spMk id="16" creationId="{2711A8FB-68FC-45FC-B01E-38F809E2D439}"/>
+          </ac:spMkLst>
+        </pc:spChg>
+        <pc:spChg chg="add del">
+          <ac:chgData name="Bakthavatchalam, Sharath Kumar" userId="5a80369b-62d2-4430-ac50-9bc726ab27fe" providerId="ADAL" clId="{012DFC1A-164C-4CE6-B3C3-EA0B603A2194}" dt="2024-06-22T12:09:37.787" v="36" actId="26606"/>
+          <ac:spMkLst>
+            <pc:docMk/>
+            <pc:sldMk cId="762183460" sldId="266"/>
+            <ac:spMk id="17" creationId="{1ECAB1E8-8195-4748-BE71-FF806D86892E}"/>
+          </ac:spMkLst>
+        </pc:spChg>
+        <pc:spChg chg="add del">
+          <ac:chgData name="Bakthavatchalam, Sharath Kumar" userId="5a80369b-62d2-4430-ac50-9bc726ab27fe" providerId="ADAL" clId="{012DFC1A-164C-4CE6-B3C3-EA0B603A2194}" dt="2024-06-22T12:09:37.787" v="36" actId="26606"/>
+          <ac:spMkLst>
+            <pc:docMk/>
+            <pc:sldMk cId="762183460" sldId="266"/>
+            <ac:spMk id="18" creationId="{2A865FE3-5FC9-4049-87CF-30019C46C0F5}"/>
+          </ac:spMkLst>
+        </pc:spChg>
+        <pc:spChg chg="add del">
+          <ac:chgData name="Bakthavatchalam, Sharath Kumar" userId="5a80369b-62d2-4430-ac50-9bc726ab27fe" providerId="ADAL" clId="{012DFC1A-164C-4CE6-B3C3-EA0B603A2194}" dt="2024-06-22T12:09:37.787" v="36" actId="26606"/>
+          <ac:spMkLst>
+            <pc:docMk/>
+            <pc:sldMk cId="762183460" sldId="266"/>
+            <ac:spMk id="19" creationId="{57F6BDD4-E066-4008-8011-6CC31AEB4556}"/>
+          </ac:spMkLst>
+        </pc:spChg>
+        <pc:spChg chg="add del">
+          <ac:chgData name="Bakthavatchalam, Sharath Kumar" userId="5a80369b-62d2-4430-ac50-9bc726ab27fe" providerId="ADAL" clId="{012DFC1A-164C-4CE6-B3C3-EA0B603A2194}" dt="2024-06-22T12:09:37.787" v="36" actId="26606"/>
+          <ac:spMkLst>
+            <pc:docMk/>
+            <pc:sldMk cId="762183460" sldId="266"/>
+            <ac:spMk id="20" creationId="{FEB48655-161D-8EBD-16D9-352B06B10970}"/>
+          </ac:spMkLst>
+        </pc:spChg>
+        <pc:spChg chg="add del">
+          <ac:chgData name="Bakthavatchalam, Sharath Kumar" userId="5a80369b-62d2-4430-ac50-9bc726ab27fe" providerId="ADAL" clId="{012DFC1A-164C-4CE6-B3C3-EA0B603A2194}" dt="2024-06-22T12:10:00.338" v="38" actId="26606"/>
+          <ac:spMkLst>
+            <pc:docMk/>
+            <pc:sldMk cId="762183460" sldId="266"/>
+            <ac:spMk id="22" creationId="{D12DDE76-C203-4047-9998-63900085B5E8}"/>
+          </ac:spMkLst>
+        </pc:spChg>
+        <pc:spChg chg="add del">
+          <ac:chgData name="Bakthavatchalam, Sharath Kumar" userId="5a80369b-62d2-4430-ac50-9bc726ab27fe" providerId="ADAL" clId="{012DFC1A-164C-4CE6-B3C3-EA0B603A2194}" dt="2024-06-22T12:10:35.189" v="55" actId="26606"/>
+          <ac:spMkLst>
+            <pc:docMk/>
+            <pc:sldMk cId="762183460" sldId="266"/>
+            <ac:spMk id="24" creationId="{F13C74B1-5B17-4795-BED0-7140497B445A}"/>
+          </ac:spMkLst>
+        </pc:spChg>
+        <pc:spChg chg="add del">
+          <ac:chgData name="Bakthavatchalam, Sharath Kumar" userId="5a80369b-62d2-4430-ac50-9bc726ab27fe" providerId="ADAL" clId="{012DFC1A-164C-4CE6-B3C3-EA0B603A2194}" dt="2024-06-22T12:10:35.189" v="55" actId="26606"/>
+          <ac:spMkLst>
+            <pc:docMk/>
+            <pc:sldMk cId="762183460" sldId="266"/>
+            <ac:spMk id="25" creationId="{D4974D33-8DC5-464E-8C6D-BE58F0669C17}"/>
+          </ac:spMkLst>
+        </pc:spChg>
+        <pc:spChg chg="add del">
+          <ac:chgData name="Bakthavatchalam, Sharath Kumar" userId="5a80369b-62d2-4430-ac50-9bc726ab27fe" providerId="ADAL" clId="{012DFC1A-164C-4CE6-B3C3-EA0B603A2194}" dt="2024-06-22T12:10:35.189" v="55" actId="26606"/>
+          <ac:spMkLst>
+            <pc:docMk/>
+            <pc:sldMk cId="762183460" sldId="266"/>
+            <ac:spMk id="26" creationId="{17CEFD25-EBBB-A9BE-FDFF-870224B5BDD9}"/>
+          </ac:spMkLst>
+        </pc:spChg>
+        <pc:spChg chg="add del">
+          <ac:chgData name="Bakthavatchalam, Sharath Kumar" userId="5a80369b-62d2-4430-ac50-9bc726ab27fe" providerId="ADAL" clId="{012DFC1A-164C-4CE6-B3C3-EA0B603A2194}" dt="2024-06-22T12:10:17.224" v="45" actId="26606"/>
+          <ac:spMkLst>
+            <pc:docMk/>
+            <pc:sldMk cId="762183460" sldId="266"/>
+            <ac:spMk id="30" creationId="{9389D3E0-BA02-41D3-B2AC-8FD6AA893902}"/>
+          </ac:spMkLst>
+        </pc:spChg>
+        <pc:spChg chg="add del">
+          <ac:chgData name="Bakthavatchalam, Sharath Kumar" userId="5a80369b-62d2-4430-ac50-9bc726ab27fe" providerId="ADAL" clId="{012DFC1A-164C-4CE6-B3C3-EA0B603A2194}" dt="2024-06-22T12:10:35.181" v="54" actId="26606"/>
+          <ac:spMkLst>
+            <pc:docMk/>
+            <pc:sldMk cId="762183460" sldId="266"/>
+            <ac:spMk id="31" creationId="{D4771268-CB57-404A-9271-370EB28F6090}"/>
+          </ac:spMkLst>
+        </pc:spChg>
+        <pc:spChg chg="add del">
+          <ac:chgData name="Bakthavatchalam, Sharath Kumar" userId="5a80369b-62d2-4430-ac50-9bc726ab27fe" providerId="ADAL" clId="{012DFC1A-164C-4CE6-B3C3-EA0B603A2194}" dt="2024-06-22T12:10:20.398" v="47" actId="26606"/>
+          <ac:spMkLst>
+            <pc:docMk/>
+            <pc:sldMk cId="762183460" sldId="266"/>
+            <ac:spMk id="33" creationId="{37C89E4B-3C9F-44B9-8B86-D9E3D112D8EC}"/>
+          </ac:spMkLst>
+        </pc:spChg>
+        <pc:spChg chg="add del">
+          <ac:chgData name="Bakthavatchalam, Sharath Kumar" userId="5a80369b-62d2-4430-ac50-9bc726ab27fe" providerId="ADAL" clId="{012DFC1A-164C-4CE6-B3C3-EA0B603A2194}" dt="2024-06-22T12:11:15.050" v="60" actId="26606"/>
+          <ac:spMkLst>
+            <pc:docMk/>
+            <pc:sldMk cId="762183460" sldId="266"/>
+            <ac:spMk id="35" creationId="{F13C74B1-5B17-4795-BED0-7140497B445A}"/>
+          </ac:spMkLst>
+        </pc:spChg>
+        <pc:spChg chg="add del">
+          <ac:chgData name="Bakthavatchalam, Sharath Kumar" userId="5a80369b-62d2-4430-ac50-9bc726ab27fe" providerId="ADAL" clId="{012DFC1A-164C-4CE6-B3C3-EA0B603A2194}" dt="2024-06-22T12:10:24.130" v="49" actId="26606"/>
+          <ac:spMkLst>
+            <pc:docMk/>
+            <pc:sldMk cId="762183460" sldId="266"/>
+            <ac:spMk id="36" creationId="{D4771268-CB57-404A-9271-370EB28F6090}"/>
+          </ac:spMkLst>
+        </pc:spChg>
+        <pc:spChg chg="add del">
+          <ac:chgData name="Bakthavatchalam, Sharath Kumar" userId="5a80369b-62d2-4430-ac50-9bc726ab27fe" providerId="ADAL" clId="{012DFC1A-164C-4CE6-B3C3-EA0B603A2194}" dt="2024-06-22T12:11:15.050" v="60" actId="26606"/>
+          <ac:spMkLst>
+            <pc:docMk/>
+            <pc:sldMk cId="762183460" sldId="266"/>
+            <ac:spMk id="37" creationId="{D4974D33-8DC5-464E-8C6D-BE58F0669C17}"/>
+          </ac:spMkLst>
+        </pc:spChg>
+        <pc:spChg chg="add del">
+          <ac:chgData name="Bakthavatchalam, Sharath Kumar" userId="5a80369b-62d2-4430-ac50-9bc726ab27fe" providerId="ADAL" clId="{012DFC1A-164C-4CE6-B3C3-EA0B603A2194}" dt="2024-06-22T12:10:28.714" v="51" actId="26606"/>
+          <ac:spMkLst>
+            <pc:docMk/>
+            <pc:sldMk cId="762183460" sldId="266"/>
+            <ac:spMk id="38" creationId="{9B7AD9F6-8CE7-4299-8FC6-328F4DCD3FF9}"/>
+          </ac:spMkLst>
+        </pc:spChg>
+        <pc:spChg chg="add del">
+          <ac:chgData name="Bakthavatchalam, Sharath Kumar" userId="5a80369b-62d2-4430-ac50-9bc726ab27fe" providerId="ADAL" clId="{012DFC1A-164C-4CE6-B3C3-EA0B603A2194}" dt="2024-06-22T12:10:28.714" v="51" actId="26606"/>
+          <ac:spMkLst>
+            <pc:docMk/>
+            <pc:sldMk cId="762183460" sldId="266"/>
+            <ac:spMk id="39" creationId="{3F9B0603-37C5-4312-AE4D-A3D015475403}"/>
+          </ac:spMkLst>
+        </pc:spChg>
+        <pc:spChg chg="add del">
+          <ac:chgData name="Bakthavatchalam, Sharath Kumar" userId="5a80369b-62d2-4430-ac50-9bc726ab27fe" providerId="ADAL" clId="{012DFC1A-164C-4CE6-B3C3-EA0B603A2194}" dt="2024-06-22T12:10:48.065" v="58" actId="478"/>
+          <ac:spMkLst>
+            <pc:docMk/>
+            <pc:sldMk cId="762183460" sldId="266"/>
+            <ac:spMk id="40" creationId="{17CEFD25-EBBB-A9BE-FDFF-870224B5BDD9}"/>
+          </ac:spMkLst>
+        </pc:spChg>
+        <pc:spChg chg="add del">
+          <ac:chgData name="Bakthavatchalam, Sharath Kumar" userId="5a80369b-62d2-4430-ac50-9bc726ab27fe" providerId="ADAL" clId="{012DFC1A-164C-4CE6-B3C3-EA0B603A2194}" dt="2024-06-22T12:11:28.759" v="65" actId="26606"/>
+          <ac:spMkLst>
+            <pc:docMk/>
+            <pc:sldMk cId="762183460" sldId="266"/>
+            <ac:spMk id="42" creationId="{37C89E4B-3C9F-44B9-8B86-D9E3D112D8EC}"/>
+          </ac:spMkLst>
+        </pc:spChg>
+        <pc:spChg chg="add del">
+          <ac:chgData name="Bakthavatchalam, Sharath Kumar" userId="5a80369b-62d2-4430-ac50-9bc726ab27fe" providerId="ADAL" clId="{012DFC1A-164C-4CE6-B3C3-EA0B603A2194}" dt="2024-06-22T12:11:50.319" v="68" actId="26606"/>
+          <ac:spMkLst>
+            <pc:docMk/>
+            <pc:sldMk cId="762183460" sldId="266"/>
+            <ac:spMk id="51" creationId="{C1DD1A8A-57D5-4A81-AD04-532B043C5611}"/>
+          </ac:spMkLst>
+        </pc:spChg>
+        <pc:spChg chg="add del">
+          <ac:chgData name="Bakthavatchalam, Sharath Kumar" userId="5a80369b-62d2-4430-ac50-9bc726ab27fe" providerId="ADAL" clId="{012DFC1A-164C-4CE6-B3C3-EA0B603A2194}" dt="2024-06-22T12:11:50.319" v="68" actId="26606"/>
+          <ac:spMkLst>
+            <pc:docMk/>
+            <pc:sldMk cId="762183460" sldId="266"/>
+            <ac:spMk id="53" creationId="{007891EC-4501-44ED-A8C8-B11B6DB767AB}"/>
+          </ac:spMkLst>
+        </pc:spChg>
+        <pc:spChg chg="add">
+          <ac:chgData name="Bakthavatchalam, Sharath Kumar" userId="5a80369b-62d2-4430-ac50-9bc726ab27fe" providerId="ADAL" clId="{012DFC1A-164C-4CE6-B3C3-EA0B603A2194}" dt="2024-06-22T12:11:50.319" v="68" actId="26606"/>
+          <ac:spMkLst>
+            <pc:docMk/>
+            <pc:sldMk cId="762183460" sldId="266"/>
+            <ac:spMk id="55" creationId="{53F29798-D584-4792-9B62-3F5F5C36D619}"/>
+          </ac:spMkLst>
+        </pc:spChg>
+        <pc:spChg chg="add del">
+          <ac:chgData name="Bakthavatchalam, Sharath Kumar" userId="5a80369b-62d2-4430-ac50-9bc726ab27fe" providerId="ADAL" clId="{012DFC1A-164C-4CE6-B3C3-EA0B603A2194}" dt="2024-06-22T12:11:48.368" v="67" actId="26606"/>
+          <ac:spMkLst>
+            <pc:docMk/>
+            <pc:sldMk cId="762183460" sldId="266"/>
+            <ac:spMk id="58" creationId="{B4916930-E76E-4100-9DCF-4981566A372A}"/>
+          </ac:spMkLst>
+        </pc:spChg>
+        <pc:picChg chg="add mod ord">
+          <ac:chgData name="Bakthavatchalam, Sharath Kumar" userId="5a80369b-62d2-4430-ac50-9bc726ab27fe" providerId="ADAL" clId="{012DFC1A-164C-4CE6-B3C3-EA0B603A2194}" dt="2024-06-22T12:11:50.319" v="68" actId="26606"/>
+          <ac:picMkLst>
+            <pc:docMk/>
+            <pc:sldMk cId="762183460" sldId="266"/>
+            <ac:picMk id="5" creationId="{4115736C-5AF0-D8D7-29C1-2F4CBE9E3F7B}"/>
+          </ac:picMkLst>
+        </pc:picChg>
+        <pc:cxnChg chg="add del">
+          <ac:chgData name="Bakthavatchalam, Sharath Kumar" userId="5a80369b-62d2-4430-ac50-9bc726ab27fe" providerId="ADAL" clId="{012DFC1A-164C-4CE6-B3C3-EA0B603A2194}" dt="2024-06-22T12:10:20.398" v="47" actId="26606"/>
+          <ac:cxnSpMkLst>
+            <pc:docMk/>
+            <pc:sldMk cId="762183460" sldId="266"/>
+            <ac:cxnSpMk id="32" creationId="{AA2EAA10-076F-46BD-8F0F-B9A2FB77A85C}"/>
+          </ac:cxnSpMkLst>
+        </pc:cxnChg>
+        <pc:cxnChg chg="add del">
+          <ac:chgData name="Bakthavatchalam, Sharath Kumar" userId="5a80369b-62d2-4430-ac50-9bc726ab27fe" providerId="ADAL" clId="{012DFC1A-164C-4CE6-B3C3-EA0B603A2194}" dt="2024-06-22T12:10:20.398" v="47" actId="26606"/>
+          <ac:cxnSpMkLst>
+            <pc:docMk/>
+            <pc:sldMk cId="762183460" sldId="266"/>
+            <ac:cxnSpMk id="34" creationId="{D891E407-403B-4764-86C9-33A56D3BCAA3}"/>
+          </ac:cxnSpMkLst>
+        </pc:cxnChg>
+        <pc:cxnChg chg="add del">
+          <ac:chgData name="Bakthavatchalam, Sharath Kumar" userId="5a80369b-62d2-4430-ac50-9bc726ab27fe" providerId="ADAL" clId="{012DFC1A-164C-4CE6-B3C3-EA0B603A2194}" dt="2024-06-22T12:11:28.759" v="65" actId="26606"/>
+          <ac:cxnSpMkLst>
+            <pc:docMk/>
+            <pc:sldMk cId="762183460" sldId="266"/>
+            <ac:cxnSpMk id="44" creationId="{AA2EAA10-076F-46BD-8F0F-B9A2FB77A85C}"/>
+          </ac:cxnSpMkLst>
+        </pc:cxnChg>
+        <pc:cxnChg chg="add del">
+          <ac:chgData name="Bakthavatchalam, Sharath Kumar" userId="5a80369b-62d2-4430-ac50-9bc726ab27fe" providerId="ADAL" clId="{012DFC1A-164C-4CE6-B3C3-EA0B603A2194}" dt="2024-06-22T12:11:28.759" v="65" actId="26606"/>
+          <ac:cxnSpMkLst>
+            <pc:docMk/>
+            <pc:sldMk cId="762183460" sldId="266"/>
+            <ac:cxnSpMk id="46" creationId="{D891E407-403B-4764-86C9-33A56D3BCAA3}"/>
+          </ac:cxnSpMkLst>
+        </pc:cxnChg>
+      </pc:sldChg>
+    </pc:docChg>
+  </pc:docChgLst>
+</pc:chgInfo>
 </file>
 
 <file path=ppt/diagrams/colors1.xml><?xml version="1.0" encoding="utf-8"?>
@@ -22328,7 +22635,7 @@
           <a:p>
             <a:fld id="{7C07D774-C2D7-4528-87F4-EE0A46D1C6D6}" type="datetimeFigureOut">
               <a:rPr lang="en-US" smtClean="0"/>
-              <a:t>6/20/2024</a:t>
+              <a:t>6/22/2024</a:t>
             </a:fld>
             <a:endParaRPr lang="en-US"/>
           </a:p>
@@ -22526,7 +22833,7 @@
           <a:p>
             <a:fld id="{7C07D774-C2D7-4528-87F4-EE0A46D1C6D6}" type="datetimeFigureOut">
               <a:rPr lang="en-US" smtClean="0"/>
-              <a:t>6/20/2024</a:t>
+              <a:t>6/22/2024</a:t>
             </a:fld>
             <a:endParaRPr lang="en-US"/>
           </a:p>
@@ -22734,7 +23041,7 @@
           <a:p>
             <a:fld id="{7C07D774-C2D7-4528-87F4-EE0A46D1C6D6}" type="datetimeFigureOut">
               <a:rPr lang="en-US" smtClean="0"/>
-              <a:t>6/20/2024</a:t>
+              <a:t>6/22/2024</a:t>
             </a:fld>
             <a:endParaRPr lang="en-US"/>
           </a:p>
@@ -22932,7 +23239,7 @@
           <a:p>
             <a:fld id="{7C07D774-C2D7-4528-87F4-EE0A46D1C6D6}" type="datetimeFigureOut">
               <a:rPr lang="en-US" smtClean="0"/>
-              <a:t>6/20/2024</a:t>
+              <a:t>6/22/2024</a:t>
             </a:fld>
             <a:endParaRPr lang="en-US"/>
           </a:p>
@@ -23207,7 +23514,7 @@
           <a:p>
             <a:fld id="{7C07D774-C2D7-4528-87F4-EE0A46D1C6D6}" type="datetimeFigureOut">
               <a:rPr lang="en-US" smtClean="0"/>
-              <a:t>6/20/2024</a:t>
+              <a:t>6/22/2024</a:t>
             </a:fld>
             <a:endParaRPr lang="en-US"/>
           </a:p>
@@ -23472,7 +23779,7 @@
           <a:p>
             <a:fld id="{7C07D774-C2D7-4528-87F4-EE0A46D1C6D6}" type="datetimeFigureOut">
               <a:rPr lang="en-US" smtClean="0"/>
-              <a:t>6/20/2024</a:t>
+              <a:t>6/22/2024</a:t>
             </a:fld>
             <a:endParaRPr lang="en-US"/>
           </a:p>
@@ -23884,7 +24191,7 @@
           <a:p>
             <a:fld id="{7C07D774-C2D7-4528-87F4-EE0A46D1C6D6}" type="datetimeFigureOut">
               <a:rPr lang="en-US" smtClean="0"/>
-              <a:t>6/20/2024</a:t>
+              <a:t>6/22/2024</a:t>
             </a:fld>
             <a:endParaRPr lang="en-US"/>
           </a:p>
@@ -24025,7 +24332,7 @@
           <a:p>
             <a:fld id="{7C07D774-C2D7-4528-87F4-EE0A46D1C6D6}" type="datetimeFigureOut">
               <a:rPr lang="en-US" smtClean="0"/>
-              <a:t>6/20/2024</a:t>
+              <a:t>6/22/2024</a:t>
             </a:fld>
             <a:endParaRPr lang="en-US"/>
           </a:p>
@@ -24138,7 +24445,7 @@
           <a:p>
             <a:fld id="{7C07D774-C2D7-4528-87F4-EE0A46D1C6D6}" type="datetimeFigureOut">
               <a:rPr lang="en-US" smtClean="0"/>
-              <a:t>6/20/2024</a:t>
+              <a:t>6/22/2024</a:t>
             </a:fld>
             <a:endParaRPr lang="en-US"/>
           </a:p>
@@ -24449,7 +24756,7 @@
           <a:p>
             <a:fld id="{7C07D774-C2D7-4528-87F4-EE0A46D1C6D6}" type="datetimeFigureOut">
               <a:rPr lang="en-US" smtClean="0"/>
-              <a:t>6/20/2024</a:t>
+              <a:t>6/22/2024</a:t>
             </a:fld>
             <a:endParaRPr lang="en-US"/>
           </a:p>
@@ -24737,7 +25044,7 @@
           <a:p>
             <a:fld id="{7C07D774-C2D7-4528-87F4-EE0A46D1C6D6}" type="datetimeFigureOut">
               <a:rPr lang="en-US" smtClean="0"/>
-              <a:t>6/20/2024</a:t>
+              <a:t>6/22/2024</a:t>
             </a:fld>
             <a:endParaRPr lang="en-US"/>
           </a:p>
@@ -24978,7 +25285,7 @@
           <a:p>
             <a:fld id="{7C07D774-C2D7-4528-87F4-EE0A46D1C6D6}" type="datetimeFigureOut">
               <a:rPr lang="en-US" smtClean="0"/>
-              <a:t>6/20/2024</a:t>
+              <a:t>6/22/2024</a:t>
             </a:fld>
             <a:endParaRPr lang="en-US"/>
           </a:p>
@@ -26550,6 +26857,181 @@
           <a:chExt cx="0" cy="0"/>
         </a:xfrm>
       </p:grpSpPr>
+      <p:sp useBgFill="1">
+        <p:nvSpPr>
+          <p:cNvPr id="55" name="Rectangle 57">
+            <a:extLst>
+              <a:ext uri="{FF2B5EF4-FFF2-40B4-BE49-F238E27FC236}">
+                <a16:creationId xmlns:a16="http://schemas.microsoft.com/office/drawing/2014/main" id="{53F29798-D584-4792-9B62-3F5F5C36D619}"/>
+              </a:ext>
+              <a:ext uri="{C183D7F6-B498-43B3-948B-1728B52AA6E4}">
+                <adec:decorative xmlns:adec="http://schemas.microsoft.com/office/drawing/2017/decorative" val="1"/>
+              </a:ext>
+            </a:extLst>
+          </p:cNvPr>
+          <p:cNvSpPr>
+            <a:spLocks noGrp="1" noRot="1" noChangeAspect="1" noMove="1" noResize="1" noEditPoints="1" noAdjustHandles="1" noChangeArrowheads="1" noChangeShapeType="1" noTextEdit="1"/>
+          </p:cNvSpPr>
+          <p:nvPr>
+            <p:extLst>
+              <p:ext uri="{386F3935-93C4-4BCD-93E2-E3B085C9AB24}">
+                <p16:designElem xmlns:p16="http://schemas.microsoft.com/office/powerpoint/2015/main" val="1"/>
+              </p:ext>
+            </p:extLst>
+          </p:nvPr>
+        </p:nvSpPr>
+        <p:spPr>
+          <a:xfrm>
+            <a:off x="0" y="0"/>
+            <a:ext cx="12188952" cy="6858000"/>
+          </a:xfrm>
+          <a:prstGeom prst="rect">
+            <a:avLst/>
+          </a:prstGeom>
+          <a:ln>
+            <a:noFill/>
+          </a:ln>
+        </p:spPr>
+        <p:style>
+          <a:lnRef idx="2">
+            <a:schemeClr val="accent1">
+              <a:shade val="50000"/>
+            </a:schemeClr>
+          </a:lnRef>
+          <a:fillRef idx="1">
+            <a:schemeClr val="accent1"/>
+          </a:fillRef>
+          <a:effectRef idx="0">
+            <a:schemeClr val="accent1"/>
+          </a:effectRef>
+          <a:fontRef idx="minor">
+            <a:schemeClr val="lt1"/>
+          </a:fontRef>
+        </p:style>
+        <p:txBody>
+          <a:bodyPr rtlCol="0" anchor="ctr"/>
+          <a:lstStyle/>
+          <a:p>
+            <a:pPr algn="ctr"/>
+            <a:endParaRPr lang="en-US"/>
+          </a:p>
+        </p:txBody>
+      </p:sp>
+      <p:sp>
+        <p:nvSpPr>
+          <p:cNvPr id="2" name="Title 1">
+            <a:extLst>
+              <a:ext uri="{FF2B5EF4-FFF2-40B4-BE49-F238E27FC236}">
+                <a16:creationId xmlns:a16="http://schemas.microsoft.com/office/drawing/2014/main" id="{B0938259-FC53-6568-4671-6EFB3C210FC6}"/>
+              </a:ext>
+            </a:extLst>
+          </p:cNvPr>
+          <p:cNvSpPr>
+            <a:spLocks noGrp="1"/>
+          </p:cNvSpPr>
+          <p:nvPr>
+            <p:ph type="title"/>
+          </p:nvPr>
+        </p:nvSpPr>
+        <p:spPr>
+          <a:xfrm>
+            <a:off x="838200" y="184805"/>
+            <a:ext cx="10515600" cy="1505883"/>
+          </a:xfrm>
+        </p:spPr>
+        <p:txBody>
+          <a:bodyPr vert="horz" lIns="91440" tIns="45720" rIns="91440" bIns="45720" rtlCol="0" anchor="ctr">
+            <a:normAutofit/>
+          </a:bodyPr>
+          <a:lstStyle/>
+          <a:p>
+            <a:r>
+              <a:rPr lang="en-US" sz="5200" kern="1200" dirty="0">
+                <a:solidFill>
+                  <a:schemeClr val="tx1"/>
+                </a:solidFill>
+                <a:latin typeface="+mj-lt"/>
+                <a:ea typeface="+mj-ea"/>
+                <a:cs typeface="+mj-cs"/>
+              </a:rPr>
+              <a:t>VISUALISATION</a:t>
+            </a:r>
+          </a:p>
+        </p:txBody>
+      </p:sp>
+      <p:pic>
+        <p:nvPicPr>
+          <p:cNvPr id="5" name="Content Placeholder 4" descr="A diagram of a classifier&#10;&#10;Description automatically generated">
+            <a:extLst>
+              <a:ext uri="{FF2B5EF4-FFF2-40B4-BE49-F238E27FC236}">
+                <a16:creationId xmlns:a16="http://schemas.microsoft.com/office/drawing/2014/main" id="{4115736C-5AF0-D8D7-29C1-2F4CBE9E3F7B}"/>
+              </a:ext>
+            </a:extLst>
+          </p:cNvPr>
+          <p:cNvPicPr>
+            <a:picLocks noChangeAspect="1"/>
+          </p:cNvPicPr>
+          <p:nvPr/>
+        </p:nvPicPr>
+        <p:blipFill rotWithShape="1">
+          <a:blip r:embed="rId2">
+            <a:extLst>
+              <a:ext uri="{28A0092B-C50C-407E-A947-70E740481C1C}">
+                <a14:useLocalDpi xmlns:a14="http://schemas.microsoft.com/office/drawing/2010/main" val="0"/>
+              </a:ext>
+            </a:extLst>
+          </a:blip>
+          <a:srcRect b="31818"/>
+          <a:stretch/>
+        </p:blipFill>
+        <p:spPr>
+          <a:xfrm>
+            <a:off x="2138658" y="1845426"/>
+            <a:ext cx="7911631" cy="4450303"/>
+          </a:xfrm>
+          <a:prstGeom prst="rect">
+            <a:avLst/>
+          </a:prstGeom>
+        </p:spPr>
+      </p:pic>
+    </p:spTree>
+    <p:extLst>
+      <p:ext uri="{BB962C8B-B14F-4D97-AF65-F5344CB8AC3E}">
+        <p14:creationId xmlns:p14="http://schemas.microsoft.com/office/powerpoint/2010/main" val="762183460"/>
+      </p:ext>
+    </p:extLst>
+  </p:cSld>
+  <p:clrMapOvr>
+    <a:masterClrMapping/>
+  </p:clrMapOvr>
+</p:sld>
+</file>
+
+<file path=ppt/slides/slide6.xml><?xml version="1.0" encoding="utf-8"?>
+<p:sld xmlns:a="http://schemas.openxmlformats.org/drawingml/2006/main" xmlns:r="http://schemas.openxmlformats.org/officeDocument/2006/relationships" xmlns:p="http://schemas.openxmlformats.org/presentationml/2006/main">
+  <p:cSld>
+    <p:bg>
+      <p:bgPr>
+        <a:solidFill>
+          <a:schemeClr val="bg1"/>
+        </a:solidFill>
+        <a:effectLst/>
+      </p:bgPr>
+    </p:bg>
+    <p:spTree>
+      <p:nvGrpSpPr>
+        <p:cNvPr id="1" name=""/>
+        <p:cNvGrpSpPr/>
+        <p:nvPr/>
+      </p:nvGrpSpPr>
+      <p:grpSpPr>
+        <a:xfrm>
+          <a:off x="0" y="0"/>
+          <a:ext cx="0" cy="0"/>
+          <a:chOff x="0" y="0"/>
+          <a:chExt cx="0" cy="0"/>
+        </a:xfrm>
+      </p:grpSpPr>
       <p:sp>
         <p:nvSpPr>
           <p:cNvPr id="30" name="Rectangle 29">
@@ -26734,7 +27216,7 @@
 </p:sld>
 </file>
 
-<file path=ppt/slides/slide6.xml><?xml version="1.0" encoding="utf-8"?>
+<file path=ppt/slides/slide7.xml><?xml version="1.0" encoding="utf-8"?>
 <p:sld xmlns:a="http://schemas.openxmlformats.org/drawingml/2006/main" xmlns:r="http://schemas.openxmlformats.org/officeDocument/2006/relationships" xmlns:p="http://schemas.openxmlformats.org/presentationml/2006/main">
   <p:cSld>
     <p:bg>
@@ -27301,7 +27783,7 @@
 </p:sld>
 </file>
 
-<file path=ppt/slides/slide7.xml><?xml version="1.0" encoding="utf-8"?>
+<file path=ppt/slides/slide8.xml><?xml version="1.0" encoding="utf-8"?>
 <p:sld xmlns:a="http://schemas.openxmlformats.org/drawingml/2006/main" xmlns:r="http://schemas.openxmlformats.org/officeDocument/2006/relationships" xmlns:p="http://schemas.openxmlformats.org/presentationml/2006/main">
   <p:cSld>
     <p:bg>
@@ -27868,7 +28350,7 @@
 </p:sld>
 </file>
 
-<file path=ppt/slides/slide8.xml><?xml version="1.0" encoding="utf-8"?>
+<file path=ppt/slides/slide9.xml><?xml version="1.0" encoding="utf-8"?>
 <p:sld xmlns:a="http://schemas.openxmlformats.org/drawingml/2006/main" xmlns:r="http://schemas.openxmlformats.org/officeDocument/2006/relationships" xmlns:p="http://schemas.openxmlformats.org/presentationml/2006/main">
   <p:cSld>
     <p:bg>
